--- a/project/presentation/FloorPlanning.pptx
+++ b/project/presentation/FloorPlanning.pptx
@@ -11,10 +11,10 @@
     <p:sldId id="257" r:id="rId2"/>
     <p:sldId id="304" r:id="rId3"/>
     <p:sldId id="260" r:id="rId4"/>
-    <p:sldId id="322" r:id="rId5"/>
-    <p:sldId id="323" r:id="rId6"/>
-    <p:sldId id="324" r:id="rId7"/>
-    <p:sldId id="325" r:id="rId8"/>
+    <p:sldId id="325" r:id="rId5"/>
+    <p:sldId id="322" r:id="rId6"/>
+    <p:sldId id="323" r:id="rId7"/>
+    <p:sldId id="324" r:id="rId8"/>
     <p:sldId id="326" r:id="rId9"/>
     <p:sldId id="334" r:id="rId10"/>
     <p:sldId id="335" r:id="rId11"/>
@@ -894,15 +894,7 @@
           <a:p>
             <a:r>
               <a:rPr lang="en-US" b="0" i="0" dirty="0"/>
-              <a:t>The other objective function that we may want to work on is the </a:t>
-            </a:r>
-            <a:r>
-              <a:rPr lang="en-US" b="0" i="0" dirty="0" err="1"/>
-              <a:t>the</a:t>
-            </a:r>
-            <a:r>
-              <a:rPr lang="en-US" b="0" i="0" dirty="0"/>
-              <a:t> area of the cells and we usually want to maximize it. Using the log area, and since its concave and we want to maximize it, then it can fit in the standard convex optimization formulation. The problem is then a multi-criterion problem with N objective function. We can do scalarization to this function by choosing to maximize the sum of all area. </a:t>
+              <a:t>The other objective function that we may want to work on is the area of the cells and we usually want to maximize it. Using the log area, and since its concave and we want to maximize it, then it can fit in the standard convex optimization formulation. The problem is then a multi-criterion problem with N objective function. We can do scalarization to this function by choosing to maximize the sum of all area. </a:t>
             </a:r>
           </a:p>
         </p:txBody>
@@ -1001,17 +993,17 @@
           <a:p>
             <a:r>
               <a:rPr lang="en-US" b="0" i="0" dirty="0"/>
-              <a:t>Then the other two constraints are make sure that solution is physically realizable </a:t>
+              <a:t>Then the other two constraints are make sure that solution is </a:t>
             </a:r>
-          </a:p>
-          <a:p>
             <a:r>
               <a:rPr lang="en-US" b="1" i="0" dirty="0"/>
-              <a:t>All these constraints are affine function</a:t>
+              <a:t>physically realizable </a:t>
             </a:r>
+          </a:p>
+          <a:p>
             <a:r>
-              <a:rPr lang="en-US" b="0" i="0" dirty="0"/>
-              <a:t> </a:t>
+              <a:rPr lang="en-US" b="1" i="0" dirty="0"/>
+              <a:t>All these constraints are affine function </a:t>
             </a:r>
           </a:p>
         </p:txBody>
@@ -1114,13 +1106,29 @@
             </a:r>
             <a:r>
               <a:rPr lang="en-US" b="0" i="0" dirty="0"/>
-              <a:t>, we can specify the relative position as an inequality in lower left corner and the length and width of the cells. Of course if we specify all the relative position, we will end up with N^2 inequality and most of which are useless. That is why we use the graph idea to reduce the number of inequality and remove redundant inequalities. </a:t>
+              <a:t>, we can specify the relative position as an inequality in lower left corner and the length and width of the cells. Of course if we specify all the relative position, we will end up with </a:t>
             </a:r>
-          </a:p>
-          <a:p>
+            <a:r>
+              <a:rPr lang="en-US" b="1" i="0" dirty="0"/>
+              <a:t>N^2</a:t>
+            </a:r>
             <a:r>
               <a:rPr lang="en-US" b="0" i="0" dirty="0"/>
-              <a:t>Also we can specify minimum clearance between blocks as well to avoid having the cell tightly packing. So specify the clearance using </a:t>
+              <a:t> inequality and most of which are useless. That is why we use the graph idea to reduce the number of inequality and remove redundant inequalities. </a:t>
+            </a:r>
+          </a:p>
+          <a:p>
+            <a:r>
+              <a:rPr lang="en-US" b="0" i="0" dirty="0"/>
+              <a:t>Also we can specify minimum clearance between blocks as well to avoid having the </a:t>
+            </a:r>
+            <a:r>
+              <a:rPr lang="en-US" b="1" i="0" dirty="0"/>
+              <a:t>cell tightly packing</a:t>
+            </a:r>
+            <a:r>
+              <a:rPr lang="en-US" b="0" i="0" dirty="0"/>
+              <a:t>. So specify the clearance using </a:t>
             </a:r>
             <a:r>
               <a:rPr lang="en-US" b="0" i="0" dirty="0" err="1"/>
@@ -1215,7 +1223,11 @@
           <a:p>
             <a:r>
               <a:rPr lang="en-US" b="0" i="0" dirty="0"/>
-              <a:t>In order to avoid the trivial solution of having all cells with zero area, we have to set a minimum area for the cells. It could be different for different cells. We can use either the square root expression (which is convex as shown here) or the log expression. We notice that both expression are not affine function and so we can not use them as equality constraints, means that we can not specify fixed area for the cells </a:t>
+              <a:t>In order to avoid the trivial solution of having all cells with zero area, we have to set a minimum area for the cells. It could be different for different cells. We can use either the square root expression (which is convex as shown here) or the log expression. </a:t>
+            </a:r>
+            <a:r>
+              <a:rPr lang="en-US" b="1" i="0" dirty="0"/>
+              <a:t>We notice that both expression are not affine function and so we can not use them as equality constraints, means that we can not specify fixed area for the cells </a:t>
             </a:r>
           </a:p>
         </p:txBody>
@@ -1902,41 +1914,53 @@
           <a:p>
             <a:r>
               <a:rPr lang="en-US" b="0" i="0" dirty="0"/>
-              <a:t>The first set of constraints make sure all number are positive (</a:t>
+              <a:t>The first set of constraints make sure all number are positive </a:t>
             </a:r>
             <a:r>
-              <a:rPr lang="en-US" b="0" i="0" dirty="0" err="1"/>
+              <a:rPr lang="en-US" b="1" i="0" dirty="0"/>
+              <a:t>(</a:t>
+            </a:r>
+            <a:r>
+              <a:rPr lang="en-US" b="1" i="0" dirty="0" err="1"/>
               <a:t>x,y,w,h</a:t>
             </a:r>
             <a:r>
+              <a:rPr lang="en-US" b="1" i="0" dirty="0"/>
+              <a:t> are vectors of length equal to number of cells) </a:t>
+            </a:r>
+          </a:p>
+          <a:p>
+            <a:r>
               <a:rPr lang="en-US" b="0" i="0" dirty="0"/>
-              <a:t> are vectors of length equal to number of </a:t>
+              <a:t>Second constraints makes sure that the </a:t>
             </a:r>
             <a:r>
-              <a:rPr lang="en-US" b="0" i="0" dirty="0" err="1"/>
-              <a:t>cels</a:t>
+              <a:rPr lang="en-US" b="1" i="0" dirty="0"/>
+              <a:t>BB contains all the cells</a:t>
+            </a:r>
+          </a:p>
+          <a:p>
+            <a:r>
+              <a:rPr lang="en-US" b="0" i="0" dirty="0"/>
+              <a:t>Third constraint </a:t>
+            </a:r>
+            <a:r>
+              <a:rPr lang="en-US" b="1" i="0" dirty="0"/>
+              <a:t>preserves the minimum area</a:t>
+            </a:r>
+          </a:p>
+          <a:p>
+            <a:r>
+              <a:rPr lang="en-US" b="0" i="0" dirty="0"/>
+              <a:t>Last constraints uses L and B matrices to integrate </a:t>
+            </a:r>
+            <a:r>
+              <a:rPr lang="en-US" b="1" i="0" dirty="0"/>
+              <a:t>the relative position </a:t>
             </a:r>
             <a:r>
               <a:rPr lang="en-US" b="0" i="0" dirty="0"/>
-              <a:t>) </a:t>
-            </a:r>
-          </a:p>
-          <a:p>
-            <a:r>
-              <a:rPr lang="en-US" b="0" i="0" dirty="0"/>
-              <a:t>Second constraints makes sure that the BB contains all the cells</a:t>
-            </a:r>
-          </a:p>
-          <a:p>
-            <a:r>
-              <a:rPr lang="en-US" b="0" i="0" dirty="0"/>
-              <a:t>Third constraint preserves the minimum area</a:t>
-            </a:r>
-          </a:p>
-          <a:p>
-            <a:r>
-              <a:rPr lang="en-US" b="0" i="0" dirty="0"/>
-              <a:t>Last constraints uses L and B matrices to integrate the relative position constraints in the standard convex optimization formulation </a:t>
+              <a:t>constraints in the standard convex optimization formulation </a:t>
             </a:r>
           </a:p>
         </p:txBody>
@@ -2301,11 +2325,19 @@
             </a:r>
             <a:r>
               <a:rPr lang="en-US" b="1" dirty="0"/>
-              <a:t>constraints</a:t>
+              <a:t>objectives</a:t>
             </a:r>
             <a:r>
               <a:rPr lang="en-US" dirty="0"/>
-              <a:t> always starts with ensuring no overlap between rectangles, but only having this constraint makes the problem complicated combinatorial optimization. For that we add more constraints that help us making the problem a convex optimization one like relative position, so you specify that rectangle A is to be to the left of rectangle B which should be on the top of rectangle C and so on. This can be constructed using a pair of graphs (one for the horizontal relative position and one for the vertical relative position). </a:t>
+              <a:t> we are dealing with here could be either to minimize the size of the bounding box, or having a bounding box with fixed size inside which we are trying to maximize the size of the rectangles. By size here I mean the area or the perimeter. And the </a:t>
+            </a:r>
+            <a:r>
+              <a:rPr lang="en-US" b="1" dirty="0"/>
+              <a:t>variables</a:t>
+            </a:r>
+            <a:r>
+              <a:rPr lang="en-US" dirty="0"/>
+              <a:t> we are allowed to change is the rectangle positions and their length and width. We are also allowed to change the bounding box width and height.</a:t>
             </a:r>
             <a:endParaRPr lang="en-US" i="0" dirty="0"/>
           </a:p>
@@ -2337,7 +2369,7 @@
     </p:spTree>
     <p:extLst>
       <p:ext uri="{BB962C8B-B14F-4D97-AF65-F5344CB8AC3E}">
-        <p14:creationId xmlns:p14="http://schemas.microsoft.com/office/powerpoint/2010/main" val="888163339"/>
+        <p14:creationId xmlns:p14="http://schemas.microsoft.com/office/powerpoint/2010/main" val="2970001737"/>
       </p:ext>
     </p:extLst>
   </p:cSld>
@@ -2433,7 +2465,7 @@
     </p:spTree>
     <p:extLst>
       <p:ext uri="{BB962C8B-B14F-4D97-AF65-F5344CB8AC3E}">
-        <p14:creationId xmlns:p14="http://schemas.microsoft.com/office/powerpoint/2010/main" val="679174881"/>
+        <p14:creationId xmlns:p14="http://schemas.microsoft.com/office/powerpoint/2010/main" val="888163339"/>
       </p:ext>
     </p:extLst>
   </p:cSld>
@@ -2499,15 +2531,7 @@
               <a:rPr lang="en-US" dirty="0"/>
               <a:t> always starts with ensuring no overlap between rectangles, but only having this constraint makes the problem complicated combinatorial optimization. For that we add more constraints that help us making the problem a convex optimization one like relative position, so you specify that rectangle A is to be to the left of rectangle B which should be on the top of rectangle C and so on. This can be constructed using a pair of graphs (one for the horizontal relative position and one for the vertical relative position). </a:t>
             </a:r>
-          </a:p>
-          <a:p>
-            <a:endParaRPr lang="en-US" dirty="0"/>
-          </a:p>
-          <a:p>
-            <a:r>
-              <a:rPr lang="en-US" i="0" dirty="0"/>
-              <a:t>Giving the relative positions implies the non-overlap constraints. Of course you want all the rectangles to be inside the bounding box. Additional constraints could include the shape and size of the rectangles like their minimum area, aspect ratio (which is the ratio of the length to the width of the rectangles) or the perimeter. It may be needed to have some symmetry along a certain axis of the bounding box (for aesthetic purpose) or alignment between some of the rectangles. Alignment could be along the edges of the rectangles or their centers. Similarity between the rectangles simply means that rectangle A is within a scaling factor of rectangle B. </a:t>
-            </a:r>
+            <a:endParaRPr lang="en-US" i="0" dirty="0"/>
           </a:p>
         </p:txBody>
       </p:sp>
@@ -2537,7 +2561,7 @@
     </p:spTree>
     <p:extLst>
       <p:ext uri="{BB962C8B-B14F-4D97-AF65-F5344CB8AC3E}">
-        <p14:creationId xmlns:p14="http://schemas.microsoft.com/office/powerpoint/2010/main" val="3524572044"/>
+        <p14:creationId xmlns:p14="http://schemas.microsoft.com/office/powerpoint/2010/main" val="679174881"/>
       </p:ext>
     </p:extLst>
   </p:cSld>
@@ -2597,21 +2621,21 @@
             </a:r>
             <a:r>
               <a:rPr lang="en-US" b="1" dirty="0"/>
-              <a:t>objectives</a:t>
+              <a:t>constraints</a:t>
             </a:r>
             <a:r>
               <a:rPr lang="en-US" dirty="0"/>
-              <a:t> we are dealing with here could be either to minimize the size of the bounding box, or having a bounding box with fixed size inside which we are trying to maximize the size of the rectangles. By size here I mean the area or the perimeter. And the </a:t>
+              <a:t> always starts with ensuring no overlap between rectangles, but only having this constraint makes the problem complicated combinatorial optimization. For that we add more constraints that help us making the problem a convex optimization one like relative position, so you specify that rectangle A is to be to the left of rectangle B which should be on the top of rectangle C and so on. This can be constructed using a pair of graphs (one for the horizontal relative position and one for the vertical relative position). </a:t>
             </a:r>
+          </a:p>
+          <a:p>
+            <a:endParaRPr lang="en-US" dirty="0"/>
+          </a:p>
+          <a:p>
             <a:r>
-              <a:rPr lang="en-US" b="1" dirty="0"/>
-              <a:t>variables</a:t>
+              <a:rPr lang="en-US" i="0" dirty="0"/>
+              <a:t>Giving the relative positions implies the non-overlap constraints. Of course you want all the rectangles to be inside the bounding box. Additional constraints could include the shape and size of the rectangles like their minimum area, aspect ratio (which is the ratio of the length to the width of the rectangles) or the perimeter. It may be needed to have some symmetry along a certain axis of the bounding box (for aesthetic purpose) or alignment between some of the rectangles. Alignment could be along the edges of the rectangles or their centers. Similarity between the rectangles simply means that rectangle A is within a scaling factor of rectangle B. </a:t>
             </a:r>
-            <a:r>
-              <a:rPr lang="en-US" dirty="0"/>
-              <a:t> we are allowed to change is the rectangle positions and their length and width. We are also allowed to change the bounding box width and height.</a:t>
-            </a:r>
-            <a:endParaRPr lang="en-US" i="0" dirty="0"/>
           </a:p>
         </p:txBody>
       </p:sp>
@@ -2641,7 +2665,7 @@
     </p:spTree>
     <p:extLst>
       <p:ext uri="{BB962C8B-B14F-4D97-AF65-F5344CB8AC3E}">
-        <p14:creationId xmlns:p14="http://schemas.microsoft.com/office/powerpoint/2010/main" val="2970001737"/>
+        <p14:creationId xmlns:p14="http://schemas.microsoft.com/office/powerpoint/2010/main" val="3524572044"/>
       </p:ext>
     </p:extLst>
   </p:cSld>
@@ -11740,7 +11764,7 @@
                     <a:latin typeface="Arial" panose="020B0604020202020204" pitchFamily="34" charset="0"/>
                     <a:cs typeface="Arial" panose="020B0604020202020204" pitchFamily="34" charset="0"/>
                   </a:rPr>
-                  <a:t>Avoid zero area		 </a:t>
+                  <a:t>Avoid zero area – can be used as equality constraint 		 </a:t>
                 </a:r>
                 <a:endParaRPr lang="en-US" sz="3200" dirty="0">
                   <a:latin typeface="Arial" panose="020B0604020202020204" pitchFamily="34" charset="0"/>
@@ -12521,7 +12545,7 @@
                     <a:latin typeface="Arial" panose="020B0604020202020204" pitchFamily="34" charset="0"/>
                     <a:cs typeface="Arial" panose="020B0604020202020204" pitchFamily="34" charset="0"/>
                   </a:rPr>
-                  <a:t>- Ratio between height to width</a:t>
+                  <a:t>- Ratio between height to width – can be used as equality constraints </a:t>
                 </a:r>
               </a:p>
               <a:p>
@@ -13308,7 +13332,7 @@
             <p:spPr>
               <a:xfrm>
                 <a:off x="298261" y="1287244"/>
-                <a:ext cx="11776748" cy="8525411"/>
+                <a:ext cx="11776748" cy="9017853"/>
               </a:xfrm>
               <a:prstGeom prst="rect">
                 <a:avLst/>
@@ -13340,6 +13364,26 @@
                   </a:rPr>
                   <a:t>	Symmetry:</a:t>
                 </a:r>
+              </a:p>
+              <a:p>
+                <a:r>
+                  <a:rPr lang="en-US" sz="3200" dirty="0">
+                    <a:latin typeface="Arial" panose="020B0604020202020204" pitchFamily="34" charset="0"/>
+                    <a:cs typeface="Arial" panose="020B0604020202020204" pitchFamily="34" charset="0"/>
+                  </a:rPr>
+                  <a:t>		</a:t>
+                </a:r>
+                <a:r>
+                  <a:rPr lang="en-US" sz="2800" dirty="0">
+                    <a:latin typeface="Arial" panose="020B0604020202020204" pitchFamily="34" charset="0"/>
+                    <a:cs typeface="Arial" panose="020B0604020202020204" pitchFamily="34" charset="0"/>
+                  </a:rPr>
+                  <a:t>Equality constraints </a:t>
+                </a:r>
+                <a:endParaRPr lang="en-US" sz="3200" dirty="0">
+                  <a:latin typeface="Arial" panose="020B0604020202020204" pitchFamily="34" charset="0"/>
+                  <a:cs typeface="Arial" panose="020B0604020202020204" pitchFamily="34" charset="0"/>
+                </a:endParaRPr>
               </a:p>
               <a:p>
                 <a:endParaRPr lang="en-US" sz="3200" dirty="0">
@@ -13808,7 +13852,7 @@
             <p:spPr>
               <a:xfrm>
                 <a:off x="298261" y="1287244"/>
-                <a:ext cx="11776748" cy="8525411"/>
+                <a:ext cx="11776748" cy="9017853"/>
               </a:xfrm>
               <a:prstGeom prst="rect">
                 <a:avLst/>
@@ -13816,7 +13860,7 @@
               <a:blipFill>
                 <a:blip r:embed="rId3"/>
                 <a:stretch>
-                  <a:fillRect l="-1605" t="-1072"/>
+                  <a:fillRect l="-1605" t="-1014"/>
                 </a:stretch>
               </a:blipFill>
             </p:spPr>
@@ -16497,7 +16541,7 @@
                     <a:latin typeface="Arial" panose="020B0604020202020204" pitchFamily="34" charset="0"/>
                     <a:cs typeface="Arial" panose="020B0604020202020204" pitchFamily="34" charset="0"/>
                   </a:rPr>
-                  <a:t>Mini </a:t>
+                  <a:t>Min </a:t>
                 </a:r>
                 <a:r>
                   <a:rPr lang="en-US" sz="2800" i="1" dirty="0">
@@ -16755,6 +16799,49 @@
                     <a:latin typeface="Arial" panose="020B0604020202020204" pitchFamily="34" charset="0"/>
                     <a:cs typeface="Arial" panose="020B0604020202020204" pitchFamily="34" charset="0"/>
                   </a:rPr>
+                  <a:t> </a:t>
+                </a:r>
+                <a14:m>
+                  <m:oMath xmlns:m="http://schemas.openxmlformats.org/officeDocument/2006/math">
+                    <m:r>
+                      <a:rPr lang="en-US" sz="2800" i="1">
+                        <a:latin typeface="Cambria Math" panose="02040503050406030204" pitchFamily="18" charset="0"/>
+                        <a:ea typeface="Cambria Math" panose="02040503050406030204" pitchFamily="18" charset="0"/>
+                        <a:cs typeface="Arial" panose="020B0604020202020204" pitchFamily="34" charset="0"/>
+                      </a:rPr>
+                      <m:t>∈</m:t>
+                    </m:r>
+                    <m:r>
+                      <a:rPr lang="en-US" sz="2800" i="1">
+                        <a:latin typeface="Cambria Math" panose="02040503050406030204" pitchFamily="18" charset="0"/>
+                        <a:ea typeface="Cambria Math" panose="02040503050406030204" pitchFamily="18" charset="0"/>
+                        <a:cs typeface="Arial" panose="020B0604020202020204" pitchFamily="34" charset="0"/>
+                      </a:rPr>
+                      <m:t>ℝ</m:t>
+                    </m:r>
+                    <m:r>
+                      <a:rPr lang="en-US" sz="2800" b="0" i="1" baseline="30000" smtClean="0">
+                        <a:latin typeface="Cambria Math" panose="02040503050406030204" pitchFamily="18" charset="0"/>
+                        <a:ea typeface="Cambria Math" panose="02040503050406030204" pitchFamily="18" charset="0"/>
+                        <a:cs typeface="Arial" panose="020B0604020202020204" pitchFamily="34" charset="0"/>
+                      </a:rPr>
+                      <m:t>4</m:t>
+                    </m:r>
+                    <m:r>
+                      <a:rPr lang="en-US" sz="2800" i="1">
+                        <a:latin typeface="Cambria Math" panose="02040503050406030204" pitchFamily="18" charset="0"/>
+                        <a:ea typeface="Cambria Math" panose="02040503050406030204" pitchFamily="18" charset="0"/>
+                        <a:cs typeface="Arial" panose="020B0604020202020204" pitchFamily="34" charset="0"/>
+                      </a:rPr>
+                      <m:t> </m:t>
+                    </m:r>
+                  </m:oMath>
+                </a14:m>
+                <a:r>
+                  <a:rPr lang="en-US" sz="2800" dirty="0">
+                    <a:latin typeface="Arial" panose="020B0604020202020204" pitchFamily="34" charset="0"/>
+                    <a:cs typeface="Arial" panose="020B0604020202020204" pitchFamily="34" charset="0"/>
+                  </a:rPr>
                   <a:t> for </a:t>
                 </a:r>
                 <a14:m>
@@ -17209,7 +17296,7 @@
                     <a:latin typeface="Arial" panose="020B0604020202020204" pitchFamily="34" charset="0"/>
                     <a:cs typeface="Arial" panose="020B0604020202020204" pitchFamily="34" charset="0"/>
                   </a:rPr>
-                  <a:t>is left to </a:t>
+                  <a:t> is left to </a:t>
                 </a:r>
                 <a14:m>
                   <m:oMath xmlns:m="http://schemas.openxmlformats.org/officeDocument/2006/math">
@@ -20552,6 +20639,263 @@
         </p:nvSpPr>
         <p:spPr>
           <a:xfrm>
+            <a:off x="252343" y="1346209"/>
+            <a:ext cx="11776748" cy="2308324"/>
+          </a:xfrm>
+          <a:prstGeom prst="rect">
+            <a:avLst/>
+          </a:prstGeom>
+          <a:noFill/>
+        </p:spPr>
+        <p:txBody>
+          <a:bodyPr wrap="square" rtlCol="0">
+            <a:spAutoFit/>
+          </a:bodyPr>
+          <a:lstStyle/>
+          <a:p>
+            <a:r>
+              <a:rPr lang="en-US" sz="3600" b="1" dirty="0">
+                <a:solidFill>
+                  <a:srgbClr val="00B050"/>
+                </a:solidFill>
+                <a:latin typeface="Arial" panose="020B0604020202020204" pitchFamily="34" charset="0"/>
+                <a:cs typeface="Arial" panose="020B0604020202020204" pitchFamily="34" charset="0"/>
+              </a:rPr>
+              <a:t>Objective: </a:t>
+            </a:r>
+          </a:p>
+          <a:p>
+            <a:pPr marL="285750" indent="-285750">
+              <a:buFontTx/>
+              <a:buChar char="-"/>
+            </a:pPr>
+            <a:r>
+              <a:rPr lang="en-US" sz="3600" dirty="0">
+                <a:latin typeface="Arial" panose="020B0604020202020204" pitchFamily="34" charset="0"/>
+                <a:cs typeface="Arial" panose="020B0604020202020204" pitchFamily="34" charset="0"/>
+              </a:rPr>
+              <a:t>minimize the size (area, perimeter) of the bounding box </a:t>
+            </a:r>
+          </a:p>
+          <a:p>
+            <a:pPr marL="285750" indent="-285750">
+              <a:buFontTx/>
+              <a:buChar char="-"/>
+            </a:pPr>
+            <a:r>
+              <a:rPr lang="en-US" sz="3600" dirty="0">
+                <a:latin typeface="Arial" panose="020B0604020202020204" pitchFamily="34" charset="0"/>
+                <a:cs typeface="Arial" panose="020B0604020202020204" pitchFamily="34" charset="0"/>
+              </a:rPr>
+              <a:t>or, maximize the size of the rectangles given a fixed bounding box</a:t>
+            </a:r>
+          </a:p>
+        </p:txBody>
+      </p:sp>
+      <p:sp>
+        <p:nvSpPr>
+          <p:cNvPr id="6" name="TextBox 5">
+            <a:extLst>
+              <a:ext uri="{FF2B5EF4-FFF2-40B4-BE49-F238E27FC236}">
+                <a16:creationId xmlns:a16="http://schemas.microsoft.com/office/drawing/2014/main" id="{52399C59-51CA-4351-B778-30F7DB082651}"/>
+              </a:ext>
+            </a:extLst>
+          </p:cNvPr>
+          <p:cNvSpPr txBox="1"/>
+          <p:nvPr/>
+        </p:nvSpPr>
+        <p:spPr>
+          <a:xfrm>
+            <a:off x="254924" y="3711048"/>
+            <a:ext cx="11776748" cy="2308324"/>
+          </a:xfrm>
+          <a:prstGeom prst="rect">
+            <a:avLst/>
+          </a:prstGeom>
+          <a:noFill/>
+        </p:spPr>
+        <p:txBody>
+          <a:bodyPr wrap="square" rtlCol="0">
+            <a:spAutoFit/>
+          </a:bodyPr>
+          <a:lstStyle/>
+          <a:p>
+            <a:r>
+              <a:rPr lang="en-US" sz="3600" b="1" dirty="0">
+                <a:solidFill>
+                  <a:srgbClr val="00B050"/>
+                </a:solidFill>
+                <a:latin typeface="Arial" panose="020B0604020202020204" pitchFamily="34" charset="0"/>
+                <a:cs typeface="Arial" panose="020B0604020202020204" pitchFamily="34" charset="0"/>
+              </a:rPr>
+              <a:t>Variables: </a:t>
+            </a:r>
+          </a:p>
+          <a:p>
+            <a:pPr marL="285750" indent="-285750">
+              <a:buFontTx/>
+              <a:buChar char="-"/>
+            </a:pPr>
+            <a:r>
+              <a:rPr lang="en-US" sz="3600" dirty="0">
+                <a:latin typeface="Arial" panose="020B0604020202020204" pitchFamily="34" charset="0"/>
+                <a:cs typeface="Arial" panose="020B0604020202020204" pitchFamily="34" charset="0"/>
+              </a:rPr>
+              <a:t>rectangles’ positions </a:t>
+            </a:r>
+          </a:p>
+          <a:p>
+            <a:pPr marL="285750" indent="-285750">
+              <a:buFontTx/>
+              <a:buChar char="-"/>
+            </a:pPr>
+            <a:r>
+              <a:rPr lang="en-US" sz="3600" dirty="0">
+                <a:latin typeface="Arial" panose="020B0604020202020204" pitchFamily="34" charset="0"/>
+                <a:cs typeface="Arial" panose="020B0604020202020204" pitchFamily="34" charset="0"/>
+              </a:rPr>
+              <a:t>rectangles’ sizes </a:t>
+            </a:r>
+          </a:p>
+          <a:p>
+            <a:pPr marL="285750" indent="-285750">
+              <a:buFontTx/>
+              <a:buChar char="-"/>
+            </a:pPr>
+            <a:r>
+              <a:rPr lang="en-US" sz="3600" dirty="0">
+                <a:latin typeface="Arial" panose="020B0604020202020204" pitchFamily="34" charset="0"/>
+                <a:cs typeface="Arial" panose="020B0604020202020204" pitchFamily="34" charset="0"/>
+              </a:rPr>
+              <a:t>bounding	box size </a:t>
+            </a:r>
+          </a:p>
+        </p:txBody>
+      </p:sp>
+    </p:spTree>
+    <p:extLst>
+      <p:ext uri="{BB962C8B-B14F-4D97-AF65-F5344CB8AC3E}">
+        <p14:creationId xmlns:p14="http://schemas.microsoft.com/office/powerpoint/2010/main" val="2971713528"/>
+      </p:ext>
+    </p:extLst>
+  </p:cSld>
+  <p:clrMapOvr>
+    <a:masterClrMapping/>
+  </p:clrMapOvr>
+</p:sld>
+</file>
+
+<file path=ppt/slides/slide5.xml><?xml version="1.0" encoding="utf-8"?>
+<p:sld xmlns:a="http://schemas.openxmlformats.org/drawingml/2006/main" xmlns:r="http://schemas.openxmlformats.org/officeDocument/2006/relationships" xmlns:p="http://schemas.openxmlformats.org/presentationml/2006/main">
+  <p:cSld>
+    <p:spTree>
+      <p:nvGrpSpPr>
+        <p:cNvPr id="1" name=""/>
+        <p:cNvGrpSpPr/>
+        <p:nvPr/>
+      </p:nvGrpSpPr>
+      <p:grpSpPr>
+        <a:xfrm>
+          <a:off x="0" y="0"/>
+          <a:ext cx="0" cy="0"/>
+          <a:chOff x="0" y="0"/>
+          <a:chExt cx="0" cy="0"/>
+        </a:xfrm>
+      </p:grpSpPr>
+      <p:cxnSp>
+        <p:nvCxnSpPr>
+          <p:cNvPr id="5" name="Straight Connector 4"/>
+          <p:cNvCxnSpPr>
+            <a:cxnSpLocks/>
+          </p:cNvCxnSpPr>
+          <p:nvPr/>
+        </p:nvCxnSpPr>
+        <p:spPr>
+          <a:xfrm>
+            <a:off x="0" y="990600"/>
+            <a:ext cx="10420350" cy="0"/>
+          </a:xfrm>
+          <a:prstGeom prst="line">
+            <a:avLst/>
+          </a:prstGeom>
+          <a:ln w="76200"/>
+        </p:spPr>
+        <p:style>
+          <a:lnRef idx="3">
+            <a:schemeClr val="accent6"/>
+          </a:lnRef>
+          <a:fillRef idx="0">
+            <a:schemeClr val="accent6"/>
+          </a:fillRef>
+          <a:effectRef idx="2">
+            <a:schemeClr val="accent6"/>
+          </a:effectRef>
+          <a:fontRef idx="minor">
+            <a:schemeClr val="tx1"/>
+          </a:fontRef>
+        </p:style>
+      </p:cxnSp>
+      <p:sp>
+        <p:nvSpPr>
+          <p:cNvPr id="9" name="TextBox 8"/>
+          <p:cNvSpPr txBox="1"/>
+          <p:nvPr/>
+        </p:nvSpPr>
+        <p:spPr>
+          <a:xfrm>
+            <a:off x="523874" y="159603"/>
+            <a:ext cx="6964747" cy="1754326"/>
+          </a:xfrm>
+          <a:prstGeom prst="rect">
+            <a:avLst/>
+          </a:prstGeom>
+          <a:noFill/>
+        </p:spPr>
+        <p:txBody>
+          <a:bodyPr wrap="square" rtlCol="0">
+            <a:spAutoFit/>
+          </a:bodyPr>
+          <a:lstStyle/>
+          <a:p>
+            <a:r>
+              <a:rPr lang="en-US" sz="5400" b="1" dirty="0">
+                <a:solidFill>
+                  <a:srgbClr val="92D050"/>
+                </a:solidFill>
+                <a:latin typeface="Arial" panose="020B0604020202020204" pitchFamily="34" charset="0"/>
+                <a:cs typeface="Arial" panose="020B0604020202020204" pitchFamily="34" charset="0"/>
+              </a:rPr>
+              <a:t>Problem Definition  </a:t>
+            </a:r>
+          </a:p>
+          <a:p>
+            <a:r>
+              <a:rPr lang="en-US" sz="5400" b="1" dirty="0">
+                <a:solidFill>
+                  <a:srgbClr val="92D050"/>
+                </a:solidFill>
+                <a:latin typeface="Arial" panose="020B0604020202020204" pitchFamily="34" charset="0"/>
+                <a:cs typeface="Arial" panose="020B0604020202020204" pitchFamily="34" charset="0"/>
+              </a:rPr>
+              <a:t> </a:t>
+            </a:r>
+          </a:p>
+        </p:txBody>
+      </p:sp>
+      <p:sp>
+        <p:nvSpPr>
+          <p:cNvPr id="99" name="TextBox 98">
+            <a:extLst>
+              <a:ext uri="{FF2B5EF4-FFF2-40B4-BE49-F238E27FC236}">
+                <a16:creationId xmlns:a16="http://schemas.microsoft.com/office/drawing/2014/main" id="{CCDEA127-313A-4C48-B679-CB33199D5AC1}"/>
+              </a:ext>
+            </a:extLst>
+          </p:cNvPr>
+          <p:cNvSpPr txBox="1"/>
+          <p:nvPr/>
+        </p:nvSpPr>
+        <p:spPr>
+          <a:xfrm>
             <a:off x="252342" y="1346209"/>
             <a:ext cx="11939657" cy="2862322"/>
           </a:xfrm>
@@ -20634,7 +20978,7 @@
 </p:sld>
 </file>
 
-<file path=ppt/slides/slide5.xml><?xml version="1.0" encoding="utf-8"?>
+<file path=ppt/slides/slide6.xml><?xml version="1.0" encoding="utf-8"?>
 <p:sld xmlns:a="http://schemas.openxmlformats.org/drawingml/2006/main" xmlns:r="http://schemas.openxmlformats.org/officeDocument/2006/relationships" xmlns:p="http://schemas.openxmlformats.org/presentationml/2006/main">
   <p:cSld>
     <p:spTree>
@@ -22281,291 +22625,6 @@
 </p:sld>
 </file>
 
-<file path=ppt/slides/slide6.xml><?xml version="1.0" encoding="utf-8"?>
-<p:sld xmlns:a="http://schemas.openxmlformats.org/drawingml/2006/main" xmlns:r="http://schemas.openxmlformats.org/officeDocument/2006/relationships" xmlns:p="http://schemas.openxmlformats.org/presentationml/2006/main">
-  <p:cSld>
-    <p:spTree>
-      <p:nvGrpSpPr>
-        <p:cNvPr id="1" name=""/>
-        <p:cNvGrpSpPr/>
-        <p:nvPr/>
-      </p:nvGrpSpPr>
-      <p:grpSpPr>
-        <a:xfrm>
-          <a:off x="0" y="0"/>
-          <a:ext cx="0" cy="0"/>
-          <a:chOff x="0" y="0"/>
-          <a:chExt cx="0" cy="0"/>
-        </a:xfrm>
-      </p:grpSpPr>
-      <p:cxnSp>
-        <p:nvCxnSpPr>
-          <p:cNvPr id="5" name="Straight Connector 4"/>
-          <p:cNvCxnSpPr>
-            <a:cxnSpLocks/>
-          </p:cNvCxnSpPr>
-          <p:nvPr/>
-        </p:nvCxnSpPr>
-        <p:spPr>
-          <a:xfrm>
-            <a:off x="0" y="990600"/>
-            <a:ext cx="10420350" cy="0"/>
-          </a:xfrm>
-          <a:prstGeom prst="line">
-            <a:avLst/>
-          </a:prstGeom>
-          <a:ln w="76200"/>
-        </p:spPr>
-        <p:style>
-          <a:lnRef idx="3">
-            <a:schemeClr val="accent6"/>
-          </a:lnRef>
-          <a:fillRef idx="0">
-            <a:schemeClr val="accent6"/>
-          </a:fillRef>
-          <a:effectRef idx="2">
-            <a:schemeClr val="accent6"/>
-          </a:effectRef>
-          <a:fontRef idx="minor">
-            <a:schemeClr val="tx1"/>
-          </a:fontRef>
-        </p:style>
-      </p:cxnSp>
-      <p:sp>
-        <p:nvSpPr>
-          <p:cNvPr id="9" name="TextBox 8"/>
-          <p:cNvSpPr txBox="1"/>
-          <p:nvPr/>
-        </p:nvSpPr>
-        <p:spPr>
-          <a:xfrm>
-            <a:off x="523874" y="159603"/>
-            <a:ext cx="6964747" cy="1754326"/>
-          </a:xfrm>
-          <a:prstGeom prst="rect">
-            <a:avLst/>
-          </a:prstGeom>
-          <a:noFill/>
-        </p:spPr>
-        <p:txBody>
-          <a:bodyPr wrap="square" rtlCol="0">
-            <a:spAutoFit/>
-          </a:bodyPr>
-          <a:lstStyle/>
-          <a:p>
-            <a:r>
-              <a:rPr lang="en-US" sz="5400" b="1" dirty="0">
-                <a:solidFill>
-                  <a:srgbClr val="92D050"/>
-                </a:solidFill>
-                <a:latin typeface="Arial" panose="020B0604020202020204" pitchFamily="34" charset="0"/>
-                <a:cs typeface="Arial" panose="020B0604020202020204" pitchFamily="34" charset="0"/>
-              </a:rPr>
-              <a:t>Problem Definition  </a:t>
-            </a:r>
-          </a:p>
-          <a:p>
-            <a:r>
-              <a:rPr lang="en-US" sz="5400" b="1" dirty="0">
-                <a:solidFill>
-                  <a:srgbClr val="92D050"/>
-                </a:solidFill>
-                <a:latin typeface="Arial" panose="020B0604020202020204" pitchFamily="34" charset="0"/>
-                <a:cs typeface="Arial" panose="020B0604020202020204" pitchFamily="34" charset="0"/>
-              </a:rPr>
-              <a:t> </a:t>
-            </a:r>
-          </a:p>
-        </p:txBody>
-      </p:sp>
-      <p:sp>
-        <p:nvSpPr>
-          <p:cNvPr id="99" name="TextBox 98">
-            <a:extLst>
-              <a:ext uri="{FF2B5EF4-FFF2-40B4-BE49-F238E27FC236}">
-                <a16:creationId xmlns:a16="http://schemas.microsoft.com/office/drawing/2014/main" id="{CCDEA127-313A-4C48-B679-CB33199D5AC1}"/>
-              </a:ext>
-            </a:extLst>
-          </p:cNvPr>
-          <p:cNvSpPr txBox="1"/>
-          <p:nvPr/>
-        </p:nvSpPr>
-        <p:spPr>
-          <a:xfrm>
-            <a:off x="252342" y="1346209"/>
-            <a:ext cx="11939657" cy="6740307"/>
-          </a:xfrm>
-          <a:prstGeom prst="rect">
-            <a:avLst/>
-          </a:prstGeom>
-          <a:noFill/>
-        </p:spPr>
-        <p:txBody>
-          <a:bodyPr wrap="square" rtlCol="0">
-            <a:spAutoFit/>
-          </a:bodyPr>
-          <a:lstStyle/>
-          <a:p>
-            <a:r>
-              <a:rPr lang="en-US" sz="3600" b="1" dirty="0">
-                <a:solidFill>
-                  <a:srgbClr val="00B050"/>
-                </a:solidFill>
-                <a:latin typeface="Arial" panose="020B0604020202020204" pitchFamily="34" charset="0"/>
-                <a:cs typeface="Arial" panose="020B0604020202020204" pitchFamily="34" charset="0"/>
-              </a:rPr>
-              <a:t>Constraints: </a:t>
-            </a:r>
-          </a:p>
-          <a:p>
-            <a:pPr marL="285750" indent="-285750">
-              <a:buFontTx/>
-              <a:buChar char="-"/>
-            </a:pPr>
-            <a:r>
-              <a:rPr lang="en-US" sz="3600" dirty="0">
-                <a:latin typeface="Arial" panose="020B0604020202020204" pitchFamily="34" charset="0"/>
-                <a:cs typeface="Arial" panose="020B0604020202020204" pitchFamily="34" charset="0"/>
-              </a:rPr>
-              <a:t>no overlap</a:t>
-            </a:r>
-          </a:p>
-          <a:p>
-            <a:pPr marL="285750" indent="-285750">
-              <a:buFontTx/>
-              <a:buChar char="-"/>
-            </a:pPr>
-            <a:r>
-              <a:rPr lang="en-US" sz="3600" dirty="0">
-                <a:latin typeface="Arial" panose="020B0604020202020204" pitchFamily="34" charset="0"/>
-                <a:cs typeface="Arial" panose="020B0604020202020204" pitchFamily="34" charset="0"/>
-              </a:rPr>
-              <a:t>relative position </a:t>
-            </a:r>
-            <a:r>
-              <a:rPr lang="en-US" sz="3600" i="1" dirty="0">
-                <a:latin typeface="Arial" panose="020B0604020202020204" pitchFamily="34" charset="0"/>
-                <a:cs typeface="Arial" panose="020B0604020202020204" pitchFamily="34" charset="0"/>
-              </a:rPr>
-              <a:t>(implies no overlap)</a:t>
-            </a:r>
-          </a:p>
-          <a:p>
-            <a:pPr marL="285750" indent="-285750">
-              <a:buFontTx/>
-              <a:buChar char="-"/>
-            </a:pPr>
-            <a:r>
-              <a:rPr lang="en-US" sz="3600" dirty="0">
-                <a:latin typeface="Arial" panose="020B0604020202020204" pitchFamily="34" charset="0"/>
-                <a:cs typeface="Arial" panose="020B0604020202020204" pitchFamily="34" charset="0"/>
-              </a:rPr>
-              <a:t>all rectangles inside the bounding box</a:t>
-            </a:r>
-          </a:p>
-          <a:p>
-            <a:pPr marL="285750" indent="-285750">
-              <a:buFontTx/>
-              <a:buChar char="-"/>
-            </a:pPr>
-            <a:r>
-              <a:rPr lang="en-US" sz="3600" dirty="0">
-                <a:latin typeface="Arial" panose="020B0604020202020204" pitchFamily="34" charset="0"/>
-                <a:cs typeface="Arial" panose="020B0604020202020204" pitchFamily="34" charset="0"/>
-              </a:rPr>
-              <a:t>minimum rectangle area/aspect ratio/perimeter </a:t>
-            </a:r>
-          </a:p>
-          <a:p>
-            <a:pPr marL="285750" indent="-285750">
-              <a:buFontTx/>
-              <a:buChar char="-"/>
-            </a:pPr>
-            <a:r>
-              <a:rPr lang="en-US" sz="3600" dirty="0">
-                <a:latin typeface="Arial" panose="020B0604020202020204" pitchFamily="34" charset="0"/>
-                <a:cs typeface="Arial" panose="020B0604020202020204" pitchFamily="34" charset="0"/>
-              </a:rPr>
-              <a:t>symmetry </a:t>
-            </a:r>
-          </a:p>
-          <a:p>
-            <a:pPr marL="285750" indent="-285750">
-              <a:buFontTx/>
-              <a:buChar char="-"/>
-            </a:pPr>
-            <a:r>
-              <a:rPr lang="en-US" sz="3600" dirty="0">
-                <a:latin typeface="Arial" panose="020B0604020202020204" pitchFamily="34" charset="0"/>
-                <a:cs typeface="Arial" panose="020B0604020202020204" pitchFamily="34" charset="0"/>
-              </a:rPr>
-              <a:t>alignment</a:t>
-            </a:r>
-          </a:p>
-          <a:p>
-            <a:pPr marL="285750" indent="-285750">
-              <a:buFontTx/>
-              <a:buChar char="-"/>
-            </a:pPr>
-            <a:r>
-              <a:rPr lang="en-US" sz="3600" dirty="0">
-                <a:latin typeface="Arial" panose="020B0604020202020204" pitchFamily="34" charset="0"/>
-                <a:cs typeface="Arial" panose="020B0604020202020204" pitchFamily="34" charset="0"/>
-              </a:rPr>
-              <a:t>similarity </a:t>
-            </a:r>
-          </a:p>
-          <a:p>
-            <a:pPr marL="285750" indent="-285750">
-              <a:buFontTx/>
-              <a:buChar char="-"/>
-            </a:pPr>
-            <a:endParaRPr lang="en-US" sz="3600" dirty="0">
-              <a:latin typeface="Arial" panose="020B0604020202020204" pitchFamily="34" charset="0"/>
-              <a:cs typeface="Arial" panose="020B0604020202020204" pitchFamily="34" charset="0"/>
-            </a:endParaRPr>
-          </a:p>
-          <a:p>
-            <a:pPr marL="285750" indent="-285750">
-              <a:buFontTx/>
-              <a:buChar char="-"/>
-            </a:pPr>
-            <a:endParaRPr lang="en-US" sz="3600" dirty="0">
-              <a:latin typeface="Arial" panose="020B0604020202020204" pitchFamily="34" charset="0"/>
-              <a:cs typeface="Arial" panose="020B0604020202020204" pitchFamily="34" charset="0"/>
-            </a:endParaRPr>
-          </a:p>
-          <a:p>
-            <a:pPr marL="285750" indent="-285750">
-              <a:buFontTx/>
-              <a:buChar char="-"/>
-            </a:pPr>
-            <a:endParaRPr lang="en-US" sz="3600" dirty="0">
-              <a:latin typeface="Arial" panose="020B0604020202020204" pitchFamily="34" charset="0"/>
-              <a:cs typeface="Arial" panose="020B0604020202020204" pitchFamily="34" charset="0"/>
-            </a:endParaRPr>
-          </a:p>
-          <a:p>
-            <a:endParaRPr lang="en-US" sz="3600" dirty="0">
-              <a:latin typeface="Arial" panose="020B0604020202020204" pitchFamily="34" charset="0"/>
-              <a:cs typeface="Arial" panose="020B0604020202020204" pitchFamily="34" charset="0"/>
-            </a:endParaRPr>
-          </a:p>
-        </p:txBody>
-      </p:sp>
-    </p:spTree>
-    <p:extLst>
-      <p:ext uri="{BB962C8B-B14F-4D97-AF65-F5344CB8AC3E}">
-        <p14:creationId xmlns:p14="http://schemas.microsoft.com/office/powerpoint/2010/main" val="582238065"/>
-      </p:ext>
-    </p:extLst>
-  </p:cSld>
-  <p:clrMapOvr>
-    <a:masterClrMapping/>
-  </p:clrMapOvr>
-</p:sld>
-</file>
-
 <file path=ppt/slides/slide7.xml><?xml version="1.0" encoding="utf-8"?>
 <p:sld xmlns:a="http://schemas.openxmlformats.org/drawingml/2006/main" xmlns:r="http://schemas.openxmlformats.org/officeDocument/2006/relationships" xmlns:p="http://schemas.openxmlformats.org/presentationml/2006/main">
   <p:cSld>
@@ -22677,8 +22736,8 @@
         </p:nvSpPr>
         <p:spPr>
           <a:xfrm>
-            <a:off x="252343" y="1346209"/>
-            <a:ext cx="11776748" cy="2308324"/>
+            <a:off x="252342" y="1346209"/>
+            <a:ext cx="11939657" cy="6740307"/>
           </a:xfrm>
           <a:prstGeom prst="rect">
             <a:avLst/>
@@ -22699,7 +22758,7 @@
                 <a:latin typeface="Arial" panose="020B0604020202020204" pitchFamily="34" charset="0"/>
                 <a:cs typeface="Arial" panose="020B0604020202020204" pitchFamily="34" charset="0"/>
               </a:rPr>
-              <a:t>Objective: </a:t>
+              <a:t>Constraints: </a:t>
             </a:r>
           </a:p>
           <a:p>
@@ -22712,7 +22771,7 @@
                 <a:latin typeface="Arial" panose="020B0604020202020204" pitchFamily="34" charset="0"/>
                 <a:cs typeface="Arial" panose="020B0604020202020204" pitchFamily="34" charset="0"/>
               </a:rPr>
-              <a:t>minimize the size (area, perimeter) of the bounding box </a:t>
+              <a:t>no overlap</a:t>
             </a:r>
           </a:p>
           <a:p>
@@ -22725,48 +22784,14 @@
                 <a:latin typeface="Arial" panose="020B0604020202020204" pitchFamily="34" charset="0"/>
                 <a:cs typeface="Arial" panose="020B0604020202020204" pitchFamily="34" charset="0"/>
               </a:rPr>
-              <a:t>or, maximize the size of the rectangles given a fixed bounding box</a:t>
+              <a:t>relative position </a:t>
             </a:r>
-          </a:p>
-        </p:txBody>
-      </p:sp>
-      <p:sp>
-        <p:nvSpPr>
-          <p:cNvPr id="6" name="TextBox 5">
-            <a:extLst>
-              <a:ext uri="{FF2B5EF4-FFF2-40B4-BE49-F238E27FC236}">
-                <a16:creationId xmlns:a16="http://schemas.microsoft.com/office/drawing/2014/main" id="{52399C59-51CA-4351-B778-30F7DB082651}"/>
-              </a:ext>
-            </a:extLst>
-          </p:cNvPr>
-          <p:cNvSpPr txBox="1"/>
-          <p:nvPr/>
-        </p:nvSpPr>
-        <p:spPr>
-          <a:xfrm>
-            <a:off x="254924" y="3711048"/>
-            <a:ext cx="11776748" cy="2308324"/>
-          </a:xfrm>
-          <a:prstGeom prst="rect">
-            <a:avLst/>
-          </a:prstGeom>
-          <a:noFill/>
-        </p:spPr>
-        <p:txBody>
-          <a:bodyPr wrap="square" rtlCol="0">
-            <a:spAutoFit/>
-          </a:bodyPr>
-          <a:lstStyle/>
-          <a:p>
             <a:r>
-              <a:rPr lang="en-US" sz="3600" b="1" dirty="0">
-                <a:solidFill>
-                  <a:srgbClr val="00B050"/>
-                </a:solidFill>
+              <a:rPr lang="en-US" sz="3600" i="1" dirty="0">
                 <a:latin typeface="Arial" panose="020B0604020202020204" pitchFamily="34" charset="0"/>
                 <a:cs typeface="Arial" panose="020B0604020202020204" pitchFamily="34" charset="0"/>
               </a:rPr>
-              <a:t>Variables: </a:t>
+              <a:t>(implies no overlap)</a:t>
             </a:r>
           </a:p>
           <a:p>
@@ -22779,7 +22804,7 @@
                 <a:latin typeface="Arial" panose="020B0604020202020204" pitchFamily="34" charset="0"/>
                 <a:cs typeface="Arial" panose="020B0604020202020204" pitchFamily="34" charset="0"/>
               </a:rPr>
-              <a:t>rectangles’ positions </a:t>
+              <a:t>all rectangles inside the bounding box</a:t>
             </a:r>
           </a:p>
           <a:p>
@@ -22792,7 +22817,7 @@
                 <a:latin typeface="Arial" panose="020B0604020202020204" pitchFamily="34" charset="0"/>
                 <a:cs typeface="Arial" panose="020B0604020202020204" pitchFamily="34" charset="0"/>
               </a:rPr>
-              <a:t>rectangles’ sizes </a:t>
+              <a:t>minimum rectangles area/aspect ratio/perimeter </a:t>
             </a:r>
           </a:p>
           <a:p>
@@ -22805,15 +22830,77 @@
                 <a:latin typeface="Arial" panose="020B0604020202020204" pitchFamily="34" charset="0"/>
                 <a:cs typeface="Arial" panose="020B0604020202020204" pitchFamily="34" charset="0"/>
               </a:rPr>
-              <a:t>bounding	box size </a:t>
+              <a:t>symmetry </a:t>
             </a:r>
+          </a:p>
+          <a:p>
+            <a:pPr marL="285750" indent="-285750">
+              <a:buFontTx/>
+              <a:buChar char="-"/>
+            </a:pPr>
+            <a:r>
+              <a:rPr lang="en-US" sz="3600" dirty="0">
+                <a:latin typeface="Arial" panose="020B0604020202020204" pitchFamily="34" charset="0"/>
+                <a:cs typeface="Arial" panose="020B0604020202020204" pitchFamily="34" charset="0"/>
+              </a:rPr>
+              <a:t>alignment</a:t>
+            </a:r>
+          </a:p>
+          <a:p>
+            <a:pPr marL="285750" indent="-285750">
+              <a:buFontTx/>
+              <a:buChar char="-"/>
+            </a:pPr>
+            <a:r>
+              <a:rPr lang="en-US" sz="3600" dirty="0">
+                <a:latin typeface="Arial" panose="020B0604020202020204" pitchFamily="34" charset="0"/>
+                <a:cs typeface="Arial" panose="020B0604020202020204" pitchFamily="34" charset="0"/>
+              </a:rPr>
+              <a:t>similarity </a:t>
+            </a:r>
+          </a:p>
+          <a:p>
+            <a:pPr marL="285750" indent="-285750">
+              <a:buFontTx/>
+              <a:buChar char="-"/>
+            </a:pPr>
+            <a:endParaRPr lang="en-US" sz="3600" dirty="0">
+              <a:latin typeface="Arial" panose="020B0604020202020204" pitchFamily="34" charset="0"/>
+              <a:cs typeface="Arial" panose="020B0604020202020204" pitchFamily="34" charset="0"/>
+            </a:endParaRPr>
+          </a:p>
+          <a:p>
+            <a:pPr marL="285750" indent="-285750">
+              <a:buFontTx/>
+              <a:buChar char="-"/>
+            </a:pPr>
+            <a:endParaRPr lang="en-US" sz="3600" dirty="0">
+              <a:latin typeface="Arial" panose="020B0604020202020204" pitchFamily="34" charset="0"/>
+              <a:cs typeface="Arial" panose="020B0604020202020204" pitchFamily="34" charset="0"/>
+            </a:endParaRPr>
+          </a:p>
+          <a:p>
+            <a:pPr marL="285750" indent="-285750">
+              <a:buFontTx/>
+              <a:buChar char="-"/>
+            </a:pPr>
+            <a:endParaRPr lang="en-US" sz="3600" dirty="0">
+              <a:latin typeface="Arial" panose="020B0604020202020204" pitchFamily="34" charset="0"/>
+              <a:cs typeface="Arial" panose="020B0604020202020204" pitchFamily="34" charset="0"/>
+            </a:endParaRPr>
+          </a:p>
+          <a:p>
+            <a:endParaRPr lang="en-US" sz="3600" dirty="0">
+              <a:latin typeface="Arial" panose="020B0604020202020204" pitchFamily="34" charset="0"/>
+              <a:cs typeface="Arial" panose="020B0604020202020204" pitchFamily="34" charset="0"/>
+            </a:endParaRPr>
           </a:p>
         </p:txBody>
       </p:sp>
     </p:spTree>
     <p:extLst>
       <p:ext uri="{BB962C8B-B14F-4D97-AF65-F5344CB8AC3E}">
-        <p14:creationId xmlns:p14="http://schemas.microsoft.com/office/powerpoint/2010/main" val="2971713528"/>
+        <p14:creationId xmlns:p14="http://schemas.microsoft.com/office/powerpoint/2010/main" val="582238065"/>
       </p:ext>
     </p:extLst>
   </p:cSld>
